--- a/Technical Integration Meeting documents/D+T4 Floor plan 20181126.pptx
+++ b/Technical Integration Meeting documents/D+T4 Floor plan 20181126.pptx
@@ -12722,8 +12722,8 @@
 </file>
 
 <file path=customXml/item1.xml><?xml version="1.0" encoding="utf-8"?>
-<ct:contentTypeSchema xmlns:ct="http://schemas.microsoft.com/office/2006/metadata/contentType" xmlns:ma="http://schemas.microsoft.com/office/2006/metadata/properties/metaAttributes" ct:_="" ma:_="" ma:contentTypeName="Document" ma:contentTypeID="0x0101002559E96BE1366749B5994691468FA9F5" ma:contentTypeVersion="8" ma:contentTypeDescription="Create a new document." ma:contentTypeScope="" ma:versionID="b08bd53257f3a325e885e0bb17bb591e">
-  <xsd:schema xmlns:xsd="http://www.w3.org/2001/XMLSchema" xmlns:xs="http://www.w3.org/2001/XMLSchema" xmlns:p="http://schemas.microsoft.com/office/2006/metadata/properties" xmlns:ns2="bb180c85-76f3-48e0-b328-7ffec8745cdb" xmlns:ns3="9107859c-f784-45d5-9a48-227635d9abf6" targetNamespace="http://schemas.microsoft.com/office/2006/metadata/properties" ma:root="true" ma:fieldsID="08e1b99c3dabd66f106cf788f54425b9" ns2:_="" ns3:_="">
+<ct:contentTypeSchema xmlns:ct="http://schemas.microsoft.com/office/2006/metadata/contentType" xmlns:ma="http://schemas.microsoft.com/office/2006/metadata/properties/metaAttributes" ct:_="" ma:_="" ma:contentTypeName="Document" ma:contentTypeID="0x0101002559E96BE1366749B5994691468FA9F5" ma:contentTypeVersion="9" ma:contentTypeDescription="Create a new document." ma:contentTypeScope="" ma:versionID="cc570ade7ffbfb52dce6ffb79c46aea6">
+  <xsd:schema xmlns:xsd="http://www.w3.org/2001/XMLSchema" xmlns:xs="http://www.w3.org/2001/XMLSchema" xmlns:p="http://schemas.microsoft.com/office/2006/metadata/properties" xmlns:ns2="bb180c85-76f3-48e0-b328-7ffec8745cdb" xmlns:ns3="9107859c-f784-45d5-9a48-227635d9abf6" targetNamespace="http://schemas.microsoft.com/office/2006/metadata/properties" ma:root="true" ma:fieldsID="4407beb490bf5709a8d56c7084ce7a5a" ns2:_="" ns3:_="">
     <xsd:import namespace="bb180c85-76f3-48e0-b328-7ffec8745cdb"/>
     <xsd:import namespace="9107859c-f784-45d5-9a48-227635d9abf6"/>
     <xsd:element name="properties">
@@ -12740,6 +12740,7 @@
                 <xsd:element ref="ns2:MediaServiceOCR" minOccurs="0"/>
                 <xsd:element ref="ns2:MediaServiceDateTaken" minOccurs="0"/>
                 <xsd:element ref="ns2:MediaServiceLocation" minOccurs="0"/>
+                <xsd:element ref="ns2:_Flow_SignoffStatus" minOccurs="0"/>
               </xsd:all>
             </xsd:complexType>
           </xsd:element>
@@ -12778,6 +12779,11 @@
       </xsd:simpleType>
     </xsd:element>
     <xsd:element name="MediaServiceLocation" ma:index="15" nillable="true" ma:displayName="MediaServiceLocation" ma:internalName="MediaServiceLocation" ma:readOnly="true">
+      <xsd:simpleType>
+        <xsd:restriction base="dms:Text"/>
+      </xsd:simpleType>
+    </xsd:element>
+    <xsd:element name="_Flow_SignoffStatus" ma:index="16" nillable="true" ma:displayName="Sign-off status" ma:internalName="_x0024_Resources_x003a_core_x002c_Signoff_Status_x003b_">
       <xsd:simpleType>
         <xsd:restriction base="dms:Text"/>
       </xsd:simpleType>
@@ -12923,12 +12929,14 @@
 
 <file path=customXml/item3.xml><?xml version="1.0" encoding="utf-8"?>
 <p:properties xmlns:p="http://schemas.microsoft.com/office/2006/metadata/properties" xmlns:xsi="http://www.w3.org/2001/XMLSchema-instance" xmlns:pc="http://schemas.microsoft.com/office/infopath/2007/PartnerControls">
-  <documentManagement/>
+  <documentManagement>
+    <_Flow_SignoffStatus xmlns="bb180c85-76f3-48e0-b328-7ffec8745cdb" xsi:nil="true"/>
+  </documentManagement>
 </p:properties>
 </file>
 
 <file path=customXml/itemProps1.xml><?xml version="1.0" encoding="utf-8"?>
-<ds:datastoreItem xmlns:ds="http://schemas.openxmlformats.org/officeDocument/2006/customXml" ds:itemID="{7F7190BB-A3F1-4029-B31E-A06F085CA586}"/>
+<ds:datastoreItem xmlns:ds="http://schemas.openxmlformats.org/officeDocument/2006/customXml" ds:itemID="{AF56F5F6-71F2-4CE1-BCFB-8D1570A0679A}"/>
 </file>
 
 <file path=customXml/itemProps2.xml><?xml version="1.0" encoding="utf-8"?>
